--- a/课件/杂题选讲 gxb&MilkyWay.pptx
+++ b/课件/杂题选讲 gxb&MilkyWay.pptx
@@ -236,7 +236,7 @@
             <a:fld id="{3F09D480-9E0C-4DFA-8A78-670A75E6117B}" type="datetimeFigureOut">
               <a:rPr lang="zh-CN" altLang="en-US" smtClean="0"/>
               <a:pPr/>
-              <a:t>2019/1/24</a:t>
+              <a:t>2022/1/3</a:t>
             </a:fld>
             <a:endParaRPr lang="zh-CN" altLang="en-US"/>
           </a:p>
@@ -402,7 +402,7 @@
             <a:fld id="{7796C79E-3350-4940-A700-1D747A9A8C8B}" type="datetimeFigureOut">
               <a:rPr lang="zh-CN" altLang="en-US" smtClean="0"/>
               <a:pPr/>
-              <a:t>2019/1/24</a:t>
+              <a:t>2022/1/3</a:t>
             </a:fld>
             <a:endParaRPr lang="zh-CN" altLang="en-US"/>
           </a:p>
@@ -2819,7 +2819,7 @@
             <a:fld id="{E6E75EF7-C48E-4A03-A14E-BFD91BF036A1}" type="datetime1">
               <a:rPr lang="zh-CN" altLang="en-US" smtClean="0"/>
               <a:pPr/>
-              <a:t>2019/1/24</a:t>
+              <a:t>2022/1/3</a:t>
             </a:fld>
             <a:endParaRPr lang="zh-CN" altLang="en-US"/>
           </a:p>
@@ -2992,7 +2992,7 @@
             <a:fld id="{003CD043-0DC6-4D84-B431-72636B7D0044}" type="datetime1">
               <a:rPr lang="zh-CN" altLang="en-US" smtClean="0"/>
               <a:pPr/>
-              <a:t>2019/1/24</a:t>
+              <a:t>2022/1/3</a:t>
             </a:fld>
             <a:endParaRPr lang="zh-CN" altLang="en-US"/>
           </a:p>
@@ -3175,7 +3175,7 @@
             <a:fld id="{C6B8DB55-78F2-4DC6-A860-FF2E6D64F362}" type="datetime1">
               <a:rPr lang="zh-CN" altLang="en-US" smtClean="0"/>
               <a:pPr/>
-              <a:t>2019/1/24</a:t>
+              <a:t>2022/1/3</a:t>
             </a:fld>
             <a:endParaRPr lang="zh-CN" altLang="en-US"/>
           </a:p>
@@ -3348,7 +3348,7 @@
             <a:fld id="{1AB11341-4EE4-4BAE-99A8-FCF5573AAEF0}" type="datetime1">
               <a:rPr lang="zh-CN" altLang="en-US" smtClean="0"/>
               <a:pPr/>
-              <a:t>2019/1/24</a:t>
+              <a:t>2022/1/3</a:t>
             </a:fld>
             <a:endParaRPr lang="zh-CN" altLang="en-US"/>
           </a:p>
@@ -3598,7 +3598,7 @@
             <a:fld id="{12CE8D87-07DB-402E-AC5A-9C6831918965}" type="datetime1">
               <a:rPr lang="zh-CN" altLang="en-US" smtClean="0"/>
               <a:pPr/>
-              <a:t>2019/1/24</a:t>
+              <a:t>2022/1/3</a:t>
             </a:fld>
             <a:endParaRPr lang="zh-CN" altLang="en-US"/>
           </a:p>
@@ -3888,7 +3888,7 @@
             <a:fld id="{CD93EB74-4D76-4853-8E3D-F28F03AC950F}" type="datetime1">
               <a:rPr lang="zh-CN" altLang="en-US" smtClean="0"/>
               <a:pPr/>
-              <a:t>2019/1/24</a:t>
+              <a:t>2022/1/3</a:t>
             </a:fld>
             <a:endParaRPr lang="zh-CN" altLang="en-US"/>
           </a:p>
@@ -4312,7 +4312,7 @@
             <a:fld id="{660FCE8B-B948-4BE0-8DEC-D7A6F81F7D7D}" type="datetime1">
               <a:rPr lang="zh-CN" altLang="en-US" smtClean="0"/>
               <a:pPr/>
-              <a:t>2019/1/24</a:t>
+              <a:t>2022/1/3</a:t>
             </a:fld>
             <a:endParaRPr lang="zh-CN" altLang="en-US"/>
           </a:p>
@@ -4434,7 +4434,7 @@
             <a:fld id="{49750BA7-9590-4469-A8A3-61BD82CD6175}" type="datetime1">
               <a:rPr lang="zh-CN" altLang="en-US" smtClean="0"/>
               <a:pPr/>
-              <a:t>2019/1/24</a:t>
+              <a:t>2022/1/3</a:t>
             </a:fld>
             <a:endParaRPr lang="zh-CN" altLang="en-US"/>
           </a:p>
@@ -4534,7 +4534,7 @@
             <a:fld id="{1403C28A-4BE5-4F19-B7CB-64C1463935E5}" type="datetime1">
               <a:rPr lang="zh-CN" altLang="en-US" smtClean="0"/>
               <a:pPr/>
-              <a:t>2019/1/24</a:t>
+              <a:t>2022/1/3</a:t>
             </a:fld>
             <a:endParaRPr lang="zh-CN" altLang="en-US"/>
           </a:p>
@@ -4814,7 +4814,7 @@
             <a:fld id="{E2F5E9A9-E914-429B-9CB0-DF02CC374A0F}" type="datetime1">
               <a:rPr lang="zh-CN" altLang="en-US" smtClean="0"/>
               <a:pPr/>
-              <a:t>2019/1/24</a:t>
+              <a:t>2022/1/3</a:t>
             </a:fld>
             <a:endParaRPr lang="zh-CN" altLang="en-US"/>
           </a:p>
@@ -5071,7 +5071,7 @@
             <a:fld id="{014B4578-A8B9-4BA6-B5D0-5A9803F8AC74}" type="datetime1">
               <a:rPr lang="zh-CN" altLang="en-US" smtClean="0"/>
               <a:pPr/>
-              <a:t>2019/1/24</a:t>
+              <a:t>2022/1/3</a:t>
             </a:fld>
             <a:endParaRPr lang="zh-CN" altLang="en-US"/>
           </a:p>
@@ -5297,7 +5297,7 @@
             <a:fld id="{6056B00C-129B-40EA-8EF5-8598C99C3048}" type="datetime1">
               <a:rPr lang="zh-CN" altLang="en-US" smtClean="0"/>
               <a:pPr/>
-              <a:t>2019/1/24</a:t>
+              <a:t>2022/1/3</a:t>
             </a:fld>
             <a:endParaRPr lang="zh-CN" altLang="en-US"/>
           </a:p>
@@ -5805,8 +5805,12 @@
           <a:lstStyle/>
           <a:p>
             <a:r>
+              <a:rPr lang="en-US" altLang="zh-CN" dirty="0" err="1"/>
+              <a:t>SovietPower</a:t>
+            </a:r>
+            <a:r>
               <a:rPr lang="en-US" altLang="zh-CN" dirty="0"/>
-              <a:t>GXB &amp; </a:t>
+              <a:t> &amp; </a:t>
             </a:r>
             <a:r>
               <a:rPr lang="en-US" altLang="zh-CN" dirty="0" err="1"/>
